--- a/000_MachineLearning_Syllabus_V05.pptx
+++ b/000_MachineLearning_Syllabus_V05.pptx
@@ -5,16 +5,15 @@
     <p:sldMasterId id="2147483648" r:id="rId1"/>
   </p:sldMasterIdLst>
   <p:notesMasterIdLst>
-    <p:notesMasterId r:id="rId9"/>
+    <p:notesMasterId r:id="rId8"/>
   </p:notesMasterIdLst>
   <p:sldIdLst>
     <p:sldId id="256" r:id="rId2"/>
     <p:sldId id="264" r:id="rId3"/>
     <p:sldId id="266" r:id="rId4"/>
     <p:sldId id="273" r:id="rId5"/>
-    <p:sldId id="272" r:id="rId6"/>
-    <p:sldId id="271" r:id="rId7"/>
-    <p:sldId id="259" r:id="rId8"/>
+    <p:sldId id="271" r:id="rId6"/>
+    <p:sldId id="259" r:id="rId7"/>
   </p:sldIdLst>
   <p:sldSz cx="9144000" cy="6858000" type="screen4x3"/>
   <p:notesSz cx="6858000" cy="9144000"/>
@@ -4061,7 +4060,7 @@
         <p:spPr>
           <a:xfrm>
             <a:off x="508000" y="1268759"/>
-            <a:ext cx="8352928" cy="1944217"/>
+            <a:ext cx="8352928" cy="4608513"/>
           </a:xfrm>
           <a:ln>
             <a:solidFill>
@@ -4157,21 +4156,119 @@
                   <a:srgbClr val="3C3B37"/>
                 </a:solidFill>
               </a:rPr>
-              <a:t>Section 2: Bias/Variance, ROC/AUC, Fit Data, R-Square, F-Score, P-Value, Odd/Log, Log/</a:t>
-            </a:r>
-            <a:r>
-              <a:rPr lang="en-US" sz="1800" b="1">
+              <a:t>Section 2: Bias/Variance, ROC/AUC, Fit Data, R-Square, F-Score, P-Value, Odd/Log, Log/Odds Ratio.</a:t>
+            </a:r>
+          </a:p>
+          <a:p>
+            <a:pPr marL="922338" lvl="1" indent="-465138" algn="l">
+              <a:buClr>
+                <a:srgbClr val="0070C0"/>
+              </a:buClr>
+              <a:buFont typeface="Wingdings" pitchFamily="2" charset="2"/>
+              <a:buChar char="u"/>
+            </a:pPr>
+            <a:r>
+              <a:rPr lang="en-US" sz="1800" b="1" dirty="0">
                 <a:solidFill>
                   <a:srgbClr val="3C3B37"/>
                 </a:solidFill>
               </a:rPr>
-              <a:t>Odds Ratio.</a:t>
-            </a:r>
-            <a:endParaRPr lang="en-US" sz="1800" b="1" dirty="0">
-              <a:solidFill>
-                <a:srgbClr val="3C3B37"/>
-              </a:solidFill>
-            </a:endParaRPr>
+              <a:t>Section 3: </a:t>
+            </a:r>
+            <a:r>
+              <a:rPr lang="en-US" sz="1800" b="1" i="0" dirty="0">
+                <a:solidFill>
+                  <a:srgbClr val="3C3B37"/>
+                </a:solidFill>
+                <a:effectLst/>
+              </a:rPr>
+              <a:t>Logistic Regression, Maximum Likelihood, R-Square, P-Value, Multiple Regression, Saturated Model</a:t>
+            </a:r>
+          </a:p>
+          <a:p>
+            <a:pPr marL="922338" lvl="1" indent="-465138" algn="l">
+              <a:buClr>
+                <a:srgbClr val="0070C0"/>
+              </a:buClr>
+              <a:buFont typeface="Wingdings" pitchFamily="2" charset="2"/>
+              <a:buChar char="u"/>
+            </a:pPr>
+            <a:r>
+              <a:rPr lang="en-US" sz="1800" b="1" dirty="0">
+                <a:solidFill>
+                  <a:srgbClr val="3C3B37"/>
+                </a:solidFill>
+              </a:rPr>
+              <a:t>Section 4: </a:t>
+            </a:r>
+            <a:r>
+              <a:rPr lang="en-US" sz="1800" b="1" i="0" dirty="0">
+                <a:solidFill>
+                  <a:srgbClr val="3C3B37"/>
+                </a:solidFill>
+                <a:effectLst/>
+              </a:rPr>
+              <a:t>Deviance Residual, </a:t>
+            </a:r>
+            <a:r>
+              <a:rPr lang="en-US" sz="1800" b="1" dirty="0">
+                <a:solidFill>
+                  <a:srgbClr val="3C3B37"/>
+                </a:solidFill>
+              </a:rPr>
+              <a:t>Ridge Regression, Lasso Regression, Elastic Net, PCA, LDA/MDS, PCoA, t-SNE</a:t>
+            </a:r>
+          </a:p>
+          <a:p>
+            <a:pPr marL="465138" indent="-465138" algn="l">
+              <a:buClr>
+                <a:srgbClr val="0070C0"/>
+              </a:buClr>
+              <a:buFont typeface="Wingdings" pitchFamily="2" charset="2"/>
+              <a:buChar char="u"/>
+            </a:pPr>
+            <a:r>
+              <a:rPr lang="en-US" sz="1800" b="1" dirty="0">
+                <a:solidFill>
+                  <a:srgbClr val="3C3B37"/>
+                </a:solidFill>
+              </a:rPr>
+              <a:t>Part 2: Clustering and Decision Tree</a:t>
+            </a:r>
+          </a:p>
+          <a:p>
+            <a:pPr marL="922338" lvl="1" indent="-465138" algn="l">
+              <a:buClr>
+                <a:srgbClr val="0070C0"/>
+              </a:buClr>
+              <a:buFont typeface="Wingdings" pitchFamily="2" charset="2"/>
+              <a:buChar char="u"/>
+            </a:pPr>
+            <a:r>
+              <a:rPr lang="en-US" sz="1800" b="1" dirty="0">
+                <a:solidFill>
+                  <a:srgbClr val="3C3B37"/>
+                </a:solidFill>
+              </a:rPr>
+              <a:t>Section 5: Hierarchical Clustering, K-Mean Cluster, KNN Neighbor, Naïve Bayes, Gaussian Naïve Bayes</a:t>
+            </a:r>
+          </a:p>
+          <a:p>
+            <a:pPr marL="922338" lvl="1" indent="-465138" algn="l">
+              <a:buClr>
+                <a:srgbClr val="0070C0"/>
+              </a:buClr>
+              <a:buFont typeface="Wingdings" pitchFamily="2" charset="2"/>
+              <a:buChar char="u"/>
+            </a:pPr>
+            <a:r>
+              <a:rPr lang="en-US" sz="1800" b="1" dirty="0">
+                <a:solidFill>
+                  <a:srgbClr val="3C3B37"/>
+                </a:solidFill>
+              </a:rPr>
+              <a:t>Section 6: Decision Tree, Regression Tree, Regression Tree Prune, Random Forest</a:t>
+            </a:r>
           </a:p>
         </p:txBody>
       </p:sp>
@@ -4393,7 +4490,7 @@
         <p:spPr>
           <a:xfrm>
             <a:off x="442300" y="1340767"/>
-            <a:ext cx="8352928" cy="4757613"/>
+            <a:ext cx="8352928" cy="5184577"/>
           </a:xfrm>
           <a:ln>
             <a:solidFill>
@@ -4438,7 +4535,7 @@
                   <a:srgbClr val="3C3B37"/>
                 </a:solidFill>
               </a:rPr>
-              <a:t>Part 2: Scikit-Learn</a:t>
+              <a:t>Part 3: Gradient Descent, Gradient Boost, and XGBoost</a:t>
             </a:r>
           </a:p>
           <a:p>
@@ -4455,24 +4552,7 @@
                   <a:srgbClr val="3C3B37"/>
                 </a:solidFill>
               </a:rPr>
-              <a:t>Section 3: </a:t>
-            </a:r>
-            <a:r>
-              <a:rPr lang="en-US" sz="1800" b="1" i="0" dirty="0">
-                <a:solidFill>
-                  <a:srgbClr val="3C3B37"/>
-                </a:solidFill>
-                <a:effectLst/>
-              </a:rPr>
-              <a:t>Logistic Regression, Multiple Regression, Deviance Residual, </a:t>
-            </a:r>
-            <a:r>
-              <a:rPr lang="en-US" sz="1800" b="1" dirty="0">
-                <a:solidFill>
-                  <a:srgbClr val="3C3B37"/>
-                </a:solidFill>
-              </a:rPr>
-              <a:t>Ridge Regression, Lasso Regression, Elastic Net</a:t>
+              <a:t>Section 7: Chain Rule, Gradient Descent, Stochastic Gradient Descent, Ada Boost, Gradient Boost</a:t>
             </a:r>
           </a:p>
           <a:p>
@@ -4489,7 +4569,7 @@
                   <a:srgbClr val="3C3B37"/>
                 </a:solidFill>
               </a:rPr>
-              <a:t>Section 4: PCA, LDA, MDS, PCoA, t-SNE, Hierarchical Clustering</a:t>
+              <a:t>Section 8: Gradient Boost Regression, Gradient Boost Classification, SVM, SVM/BRF</a:t>
             </a:r>
           </a:p>
           <a:p>
@@ -4506,7 +4586,24 @@
                   <a:srgbClr val="3C3B37"/>
                 </a:solidFill>
               </a:rPr>
-              <a:t>Section 5: K-Mean Cluster, KNN Neighbor</a:t>
+              <a:t>Section 9:  XGBoost Regression, XGBoost Classification, XGBoost Optimization, Neural Network</a:t>
+            </a:r>
+          </a:p>
+          <a:p>
+            <a:pPr marL="465138" indent="-465138" algn="l">
+              <a:buClr>
+                <a:srgbClr val="0070C0"/>
+              </a:buClr>
+              <a:buFont typeface="Wingdings" pitchFamily="2" charset="2"/>
+              <a:buChar char="u"/>
+            </a:pPr>
+            <a:r>
+              <a:rPr lang="en-US" sz="1800" b="1" dirty="0">
+                <a:solidFill>
+                  <a:srgbClr val="3C3B37"/>
+                </a:solidFill>
+              </a:rPr>
+              <a:t>Part 4: Case Study</a:t>
             </a:r>
           </a:p>
           <a:p>
@@ -4523,7 +4620,7 @@
                   <a:srgbClr val="3C3B37"/>
                 </a:solidFill>
               </a:rPr>
-              <a:t>Section 6: Naïve Bayes, Gaussian Naïve Bayes</a:t>
+              <a:t>Section 10: NLP (Natural Language Processing)</a:t>
             </a:r>
           </a:p>
           <a:p>
@@ -4540,7 +4637,7 @@
                   <a:srgbClr val="3C3B37"/>
                 </a:solidFill>
               </a:rPr>
-              <a:t>Section 7: Decision Tree, Regression Tree, Regression Tree Prune, Random Forest</a:t>
+              <a:t>Section 11: Spam Classifier</a:t>
             </a:r>
           </a:p>
           <a:p>
@@ -4557,7 +4654,7 @@
                   <a:srgbClr val="3C3B37"/>
                 </a:solidFill>
               </a:rPr>
-              <a:t>Section 8: Chain Rule, Gradient Descent, Stochastic Gradient Descent</a:t>
+              <a:t>Section 12: Recommender System </a:t>
             </a:r>
           </a:p>
           <a:p>
@@ -4574,7 +4671,24 @@
                   <a:srgbClr val="3C3B37"/>
                 </a:solidFill>
               </a:rPr>
-              <a:t>Section 9: Ada Boost, Gradient Boost, Gradient Boost Regression, Gradient Boost Classification</a:t>
+              <a:t>Section 13: Reinforcement Learning</a:t>
+            </a:r>
+          </a:p>
+          <a:p>
+            <a:pPr marL="465138" indent="-465138" algn="l">
+              <a:buClr>
+                <a:srgbClr val="0070C0"/>
+              </a:buClr>
+              <a:buFont typeface="Wingdings" pitchFamily="2" charset="2"/>
+              <a:buChar char="u"/>
+            </a:pPr>
+            <a:r>
+              <a:rPr lang="en-US" sz="1800" b="1" dirty="0">
+                <a:solidFill>
+                  <a:srgbClr val="3C3B37"/>
+                </a:solidFill>
+              </a:rPr>
+              <a:t>Part 5: pySpark</a:t>
             </a:r>
           </a:p>
           <a:p>
@@ -4591,8 +4705,21 @@
                   <a:srgbClr val="3C3B37"/>
                 </a:solidFill>
               </a:rPr>
-              <a:t>Section 10: SVM, SVM/BRF</a:t>
-            </a:r>
+              <a:t>Section 14: Setup, Spark Context, RDD</a:t>
+            </a:r>
+            <a:r>
+              <a:rPr lang="en-US" sz="1800" b="1">
+                <a:solidFill>
+                  <a:srgbClr val="3C3B37"/>
+                </a:solidFill>
+              </a:rPr>
+              <a:t>, Data Frame</a:t>
+            </a:r>
+            <a:endParaRPr lang="en-US" sz="1800" b="1" dirty="0">
+              <a:solidFill>
+                <a:srgbClr val="3C3B37"/>
+              </a:solidFill>
+            </a:endParaRPr>
           </a:p>
           <a:p>
             <a:pPr marL="922338" lvl="1" indent="-465138" algn="l">
@@ -4608,7 +4735,7 @@
                   <a:srgbClr val="3C3B37"/>
                 </a:solidFill>
               </a:rPr>
-              <a:t>Section 11:  XGBoost Regression, XGBoost Classification, XGBoost Optimization, Neural Network</a:t>
+              <a:t>Section 15: SparkConf, SparkFiles, Storage Level, MLlib, Serializer</a:t>
             </a:r>
           </a:p>
         </p:txBody>
@@ -4831,7 +4958,7 @@
         <p:spPr>
           <a:xfrm>
             <a:off x="508000" y="1268759"/>
-            <a:ext cx="8352928" cy="2448273"/>
+            <a:ext cx="8352928" cy="4248473"/>
           </a:xfrm>
           <a:ln>
             <a:solidFill>
@@ -4853,13 +4980,12 @@
               <a:buChar char="u"/>
             </a:pPr>
             <a:r>
-              <a:rPr lang="en-US" sz="1800" b="1" i="0" dirty="0">
+              <a:rPr lang="en-US" sz="1800" b="1" dirty="0">
                 <a:solidFill>
                   <a:srgbClr val="3C3B37"/>
                 </a:solidFill>
-                <a:effectLst/>
               </a:rPr>
-              <a:t>Course Syllabus</a:t>
+              <a:t>Reference:</a:t>
             </a:r>
           </a:p>
           <a:p>
@@ -4875,43 +5001,15 @@
                 <a:solidFill>
                   <a:srgbClr val="3C3B37"/>
                 </a:solidFill>
+                <a:hlinkClick r:id="rId2"/>
               </a:rPr>
-              <a:t>Part 4: Case Study</a:t>
-            </a:r>
-          </a:p>
-          <a:p>
-            <a:pPr marL="922338" lvl="1" indent="-465138" algn="l">
-              <a:buClr>
-                <a:srgbClr val="0070C0"/>
-              </a:buClr>
-              <a:buFont typeface="Wingdings" pitchFamily="2" charset="2"/>
-              <a:buChar char="u"/>
-            </a:pPr>
-            <a:r>
-              <a:rPr lang="en-US" sz="1800" b="1" dirty="0">
-                <a:solidFill>
-                  <a:srgbClr val="3C3B37"/>
-                </a:solidFill>
-              </a:rPr>
-              <a:t>Section 12: Spam Classifier, Recommender System, </a:t>
-            </a:r>
-          </a:p>
-          <a:p>
-            <a:pPr marL="922338" lvl="1" indent="-465138" algn="l">
-              <a:buClr>
-                <a:srgbClr val="0070C0"/>
-              </a:buClr>
-              <a:buFont typeface="Wingdings" pitchFamily="2" charset="2"/>
-              <a:buChar char="u"/>
-            </a:pPr>
-            <a:r>
-              <a:rPr lang="en-US" sz="1800" b="1" dirty="0">
-                <a:solidFill>
-                  <a:srgbClr val="3C3B37"/>
-                </a:solidFill>
-              </a:rPr>
-              <a:t>Section 13: Reinforcement Learning, </a:t>
-            </a:r>
+              <a:t>https://github.com/peterhchen/900_Python_ML_DS_DL</a:t>
+            </a:r>
+            <a:endParaRPr lang="en-US" sz="1800" b="1" dirty="0">
+              <a:solidFill>
+                <a:srgbClr val="3C3B37"/>
+              </a:solidFill>
+            </a:endParaRPr>
           </a:p>
           <a:p>
             <a:pPr marL="465138" indent="-465138" algn="l">
@@ -4926,12 +5024,18 @@
                 <a:solidFill>
                   <a:srgbClr val="3C3B37"/>
                 </a:solidFill>
+                <a:hlinkClick r:id="rId3"/>
               </a:rPr>
-              <a:t>Part 5: pySpark</a:t>
-            </a:r>
-          </a:p>
-          <a:p>
-            <a:pPr marL="922338" lvl="1" indent="-465138" algn="l">
+              <a:t>https://scikit-learn.org/stable/index.html</a:t>
+            </a:r>
+            <a:endParaRPr lang="en-US" sz="1800" b="1" dirty="0">
+              <a:solidFill>
+                <a:srgbClr val="3C3B37"/>
+              </a:solidFill>
+            </a:endParaRPr>
+          </a:p>
+          <a:p>
+            <a:pPr marL="465138" indent="-465138" algn="l">
               <a:buClr>
                 <a:srgbClr val="0070C0"/>
               </a:buClr>
@@ -4943,12 +5047,18 @@
                 <a:solidFill>
                   <a:srgbClr val="3C3B37"/>
                 </a:solidFill>
+                <a:hlinkClick r:id="rId4"/>
               </a:rPr>
-              <a:t>Section 14: Setup, Spark Context, RDD, Broadcast/Accumulator</a:t>
-            </a:r>
-          </a:p>
-          <a:p>
-            <a:pPr marL="922338" lvl="1" indent="-465138" algn="l">
+              <a:t>https://spark.apache.org/</a:t>
+            </a:r>
+            <a:endParaRPr lang="en-US" sz="1800" b="1" dirty="0">
+              <a:solidFill>
+                <a:srgbClr val="3C3B37"/>
+              </a:solidFill>
+            </a:endParaRPr>
+          </a:p>
+          <a:p>
+            <a:pPr marL="465138" indent="-465138" algn="l">
               <a:buClr>
                 <a:srgbClr val="0070C0"/>
               </a:buClr>
@@ -4961,7 +5071,142 @@
                   <a:srgbClr val="3C3B37"/>
                 </a:solidFill>
               </a:rPr>
-              <a:t>Section 15: SparkConf, SparkFiles, Storage Level, MLlib, Serializer</a:t>
+              <a:t>Textbook:</a:t>
+            </a:r>
+          </a:p>
+          <a:p>
+            <a:pPr marL="465138" indent="-465138" algn="l">
+              <a:buClr>
+                <a:srgbClr val="0070C0"/>
+              </a:buClr>
+              <a:buFont typeface="Wingdings" pitchFamily="2" charset="2"/>
+              <a:buChar char="u"/>
+            </a:pPr>
+            <a:r>
+              <a:rPr lang="en-US" sz="1800" b="1" i="0" dirty="0">
+                <a:solidFill>
+                  <a:schemeClr val="tx1"/>
+                </a:solidFill>
+                <a:effectLst/>
+                <a:latin typeface="+mj-lt"/>
+              </a:rPr>
+              <a:t>Introduction to Machine Learning with Python: A Guide for Data Scientists, </a:t>
+            </a:r>
+            <a:r>
+              <a:rPr lang="en-US" sz="1800" b="1" u="sng" dirty="0">
+                <a:solidFill>
+                  <a:schemeClr val="tx1"/>
+                </a:solidFill>
+                <a:latin typeface="+mj-lt"/>
+              </a:rPr>
+              <a:t>b</a:t>
+            </a:r>
+            <a:r>
+              <a:rPr lang="en-US" sz="1800" b="1" i="0" u="sng" dirty="0">
+                <a:solidFill>
+                  <a:schemeClr val="tx1"/>
+                </a:solidFill>
+                <a:effectLst/>
+                <a:latin typeface="+mj-lt"/>
+                <a:hlinkClick r:id="rId5">
+                  <a:extLst>
+                    <a:ext uri="{A12FA001-AC4F-418D-AE19-62706E023703}">
+                      <ahyp:hlinkClr xmlns:ahyp="http://schemas.microsoft.com/office/drawing/2018/hyperlinkcolor" val="tx"/>
+                    </a:ext>
+                  </a:extLst>
+                </a:hlinkClick>
+              </a:rPr>
+              <a:t>y Andreas C. </a:t>
+            </a:r>
+            <a:r>
+              <a:rPr lang="en-US" sz="1800" b="1" i="0" u="sng" dirty="0" err="1">
+                <a:solidFill>
+                  <a:schemeClr val="tx1"/>
+                </a:solidFill>
+                <a:effectLst/>
+                <a:latin typeface="+mj-lt"/>
+                <a:hlinkClick r:id="rId5">
+                  <a:extLst>
+                    <a:ext uri="{A12FA001-AC4F-418D-AE19-62706E023703}">
+                      <ahyp:hlinkClr xmlns:ahyp="http://schemas.microsoft.com/office/drawing/2018/hyperlinkcolor" val="tx"/>
+                    </a:ext>
+                  </a:extLst>
+                </a:hlinkClick>
+              </a:rPr>
+              <a:t>Müller</a:t>
+            </a:r>
+            <a:r>
+              <a:rPr lang="en-US" sz="1800" b="1" i="0" u="none" strike="noStrike" dirty="0" err="1">
+                <a:solidFill>
+                  <a:schemeClr val="tx1"/>
+                </a:solidFill>
+                <a:effectLst/>
+                <a:latin typeface="+mj-lt"/>
+                <a:hlinkClick r:id="rId6">
+                  <a:extLst>
+                    <a:ext uri="{A12FA001-AC4F-418D-AE19-62706E023703}">
+                      <ahyp:hlinkClr xmlns:ahyp="http://schemas.microsoft.com/office/drawing/2018/hyperlinkcolor" val="tx"/>
+                    </a:ext>
+                  </a:extLst>
+                </a:hlinkClick>
+              </a:rPr>
+              <a:t>Sarah</a:t>
+            </a:r>
+            <a:r>
+              <a:rPr lang="en-US" sz="1800" b="1" i="0" u="none" strike="noStrike" dirty="0">
+                <a:solidFill>
+                  <a:schemeClr val="tx1"/>
+                </a:solidFill>
+                <a:effectLst/>
+                <a:latin typeface="+mj-lt"/>
+                <a:hlinkClick r:id="rId6">
+                  <a:extLst>
+                    <a:ext uri="{A12FA001-AC4F-418D-AE19-62706E023703}">
+                      <ahyp:hlinkClr xmlns:ahyp="http://schemas.microsoft.com/office/drawing/2018/hyperlinkcolor" val="tx"/>
+                    </a:ext>
+                  </a:extLst>
+                </a:hlinkClick>
+              </a:rPr>
+              <a:t> Guido</a:t>
+            </a:r>
+            <a:r>
+              <a:rPr lang="en-US" sz="1800" b="1" i="0" u="none" strike="noStrike" dirty="0">
+                <a:solidFill>
+                  <a:schemeClr val="tx1"/>
+                </a:solidFill>
+                <a:effectLst/>
+                <a:latin typeface="+mj-lt"/>
+              </a:rPr>
+              <a:t> (</a:t>
+            </a:r>
+            <a:r>
+              <a:rPr lang="en-US" sz="1800" b="1" i="0" dirty="0">
+                <a:solidFill>
+                  <a:schemeClr val="tx1"/>
+                </a:solidFill>
+                <a:effectLst/>
+                <a:latin typeface="+mj-lt"/>
+              </a:rPr>
+              <a:t>Sep 2016, </a:t>
+            </a:r>
+            <a:r>
+              <a:rPr lang="en-US" sz="1800" b="1" dirty="0">
+                <a:solidFill>
+                  <a:schemeClr val="tx1"/>
+                </a:solidFill>
+                <a:latin typeface="+mj-lt"/>
+              </a:rPr>
+              <a:t>Publisher: </a:t>
+            </a:r>
+            <a:r>
+              <a:rPr lang="en-US" sz="1800" b="1" i="0" dirty="0">
+                <a:solidFill>
+                  <a:schemeClr val="tx1"/>
+                </a:solidFill>
+                <a:effectLst/>
+                <a:latin typeface="+mj-lt"/>
+              </a:rPr>
+              <a:t>O'Reilly)</a:t>
             </a:r>
           </a:p>
         </p:txBody>
@@ -5079,7 +5324,7 @@
     </p:spTree>
     <p:extLst>
       <p:ext uri="{BB962C8B-B14F-4D97-AF65-F5344CB8AC3E}">
-        <p14:creationId xmlns:p14="http://schemas.microsoft.com/office/powerpoint/2010/main" val="860156219"/>
+        <p14:creationId xmlns:p14="http://schemas.microsoft.com/office/powerpoint/2010/main" val="2204207622"/>
       </p:ext>
     </p:extLst>
   </p:cSld>
@@ -5090,477 +5335,6 @@
 </file>
 
 <file path=ppt/slides/slide6.xml><?xml version="1.0" encoding="utf-8"?>
-<p:sld xmlns:a="http://schemas.openxmlformats.org/drawingml/2006/main" xmlns:r="http://schemas.openxmlformats.org/officeDocument/2006/relationships" xmlns:p="http://schemas.openxmlformats.org/presentationml/2006/main">
-  <p:cSld>
-    <p:spTree>
-      <p:nvGrpSpPr>
-        <p:cNvPr id="1" name=""/>
-        <p:cNvGrpSpPr/>
-        <p:nvPr/>
-      </p:nvGrpSpPr>
-      <p:grpSpPr>
-        <a:xfrm>
-          <a:off x="0" y="0"/>
-          <a:ext cx="0" cy="0"/>
-          <a:chOff x="0" y="0"/>
-          <a:chExt cx="0" cy="0"/>
-        </a:xfrm>
-      </p:grpSpPr>
-      <p:sp>
-        <p:nvSpPr>
-          <p:cNvPr id="2" name="標題 1"/>
-          <p:cNvSpPr>
-            <a:spLocks noGrp="1"/>
-          </p:cNvSpPr>
-          <p:nvPr>
-            <p:ph type="ctrTitle"/>
-          </p:nvPr>
-        </p:nvSpPr>
-        <p:spPr>
-          <a:xfrm>
-            <a:off x="0" y="1"/>
-            <a:ext cx="9144000" cy="764704"/>
-          </a:xfrm>
-          <a:gradFill flip="none" rotWithShape="1">
-            <a:gsLst>
-              <a:gs pos="0">
-                <a:srgbClr val="C00000">
-                  <a:shade val="30000"/>
-                  <a:satMod val="115000"/>
-                </a:srgbClr>
-              </a:gs>
-              <a:gs pos="50000">
-                <a:srgbClr val="C00000">
-                  <a:shade val="67500"/>
-                  <a:satMod val="115000"/>
-                </a:srgbClr>
-              </a:gs>
-              <a:gs pos="100000">
-                <a:srgbClr val="C00000">
-                  <a:shade val="100000"/>
-                  <a:satMod val="115000"/>
-                </a:srgbClr>
-              </a:gs>
-            </a:gsLst>
-            <a:path path="circle">
-              <a:fillToRect t="100000" r="100000"/>
-            </a:path>
-            <a:tileRect l="-100000" b="-100000"/>
-          </a:gradFill>
-        </p:spPr>
-        <p:txBody>
-          <a:bodyPr>
-            <a:normAutofit/>
-          </a:bodyPr>
-          <a:lstStyle/>
-          <a:p>
-            <a:pPr algn="l"/>
-            <a:r>
-              <a:rPr lang="en-US" altLang="zh-TW" sz="4400" b="1" dirty="0">
-                <a:solidFill>
-                  <a:srgbClr val="FFFF00"/>
-                </a:solidFill>
-              </a:rPr>
-              <a:t>00 Python Machine Learning</a:t>
-            </a:r>
-            <a:endParaRPr lang="zh-TW" altLang="en-US" b="1" dirty="0">
-              <a:solidFill>
-                <a:srgbClr val="FFFF00"/>
-              </a:solidFill>
-            </a:endParaRPr>
-          </a:p>
-        </p:txBody>
-      </p:sp>
-      <p:sp>
-        <p:nvSpPr>
-          <p:cNvPr id="3" name="副標題 2"/>
-          <p:cNvSpPr>
-            <a:spLocks noGrp="1"/>
-          </p:cNvSpPr>
-          <p:nvPr>
-            <p:ph type="subTitle" idx="1"/>
-          </p:nvPr>
-        </p:nvSpPr>
-        <p:spPr>
-          <a:xfrm>
-            <a:off x="508000" y="1268759"/>
-            <a:ext cx="8352928" cy="4248473"/>
-          </a:xfrm>
-          <a:ln>
-            <a:solidFill>
-              <a:srgbClr val="C00000"/>
-            </a:solidFill>
-          </a:ln>
-        </p:spPr>
-        <p:txBody>
-          <a:bodyPr>
-            <a:noAutofit/>
-          </a:bodyPr>
-          <a:lstStyle/>
-          <a:p>
-            <a:pPr marL="465138" indent="-465138" algn="l">
-              <a:buClr>
-                <a:srgbClr val="0070C0"/>
-              </a:buClr>
-              <a:buFont typeface="Wingdings" pitchFamily="2" charset="2"/>
-              <a:buChar char="u"/>
-            </a:pPr>
-            <a:r>
-              <a:rPr lang="en-US" sz="1800" b="1" dirty="0">
-                <a:solidFill>
-                  <a:srgbClr val="3C3B37"/>
-                </a:solidFill>
-              </a:rPr>
-              <a:t>Reference:</a:t>
-            </a:r>
-          </a:p>
-          <a:p>
-            <a:pPr marL="465138" indent="-465138" algn="l">
-              <a:buClr>
-                <a:srgbClr val="0070C0"/>
-              </a:buClr>
-              <a:buFont typeface="Wingdings" pitchFamily="2" charset="2"/>
-              <a:buChar char="u"/>
-            </a:pPr>
-            <a:r>
-              <a:rPr lang="en-US" sz="1800" b="1" dirty="0">
-                <a:solidFill>
-                  <a:srgbClr val="3C3B37"/>
-                </a:solidFill>
-                <a:hlinkClick r:id="rId2"/>
-              </a:rPr>
-              <a:t>https://github.com/peterhchen/900_Python_ML_DS_DL</a:t>
-            </a:r>
-            <a:endParaRPr lang="en-US" sz="1800" b="1" dirty="0">
-              <a:solidFill>
-                <a:srgbClr val="3C3B37"/>
-              </a:solidFill>
-            </a:endParaRPr>
-          </a:p>
-          <a:p>
-            <a:pPr marL="465138" indent="-465138" algn="l">
-              <a:buClr>
-                <a:srgbClr val="0070C0"/>
-              </a:buClr>
-              <a:buFont typeface="Wingdings" pitchFamily="2" charset="2"/>
-              <a:buChar char="u"/>
-            </a:pPr>
-            <a:r>
-              <a:rPr lang="en-US" sz="1800" b="1" dirty="0">
-                <a:solidFill>
-                  <a:srgbClr val="3C3B37"/>
-                </a:solidFill>
-                <a:hlinkClick r:id="rId3"/>
-              </a:rPr>
-              <a:t>https://scikit-learn.org/stable/index.html</a:t>
-            </a:r>
-            <a:endParaRPr lang="en-US" sz="1800" b="1" dirty="0">
-              <a:solidFill>
-                <a:srgbClr val="3C3B37"/>
-              </a:solidFill>
-            </a:endParaRPr>
-          </a:p>
-          <a:p>
-            <a:pPr marL="465138" indent="-465138" algn="l">
-              <a:buClr>
-                <a:srgbClr val="0070C0"/>
-              </a:buClr>
-              <a:buFont typeface="Wingdings" pitchFamily="2" charset="2"/>
-              <a:buChar char="u"/>
-            </a:pPr>
-            <a:r>
-              <a:rPr lang="en-US" sz="1800" b="1" dirty="0">
-                <a:solidFill>
-                  <a:srgbClr val="3C3B37"/>
-                </a:solidFill>
-                <a:hlinkClick r:id="rId4"/>
-              </a:rPr>
-              <a:t>https://spark.apache.org/</a:t>
-            </a:r>
-            <a:endParaRPr lang="en-US" sz="1800" b="1" dirty="0">
-              <a:solidFill>
-                <a:srgbClr val="3C3B37"/>
-              </a:solidFill>
-            </a:endParaRPr>
-          </a:p>
-          <a:p>
-            <a:pPr marL="465138" indent="-465138" algn="l">
-              <a:buClr>
-                <a:srgbClr val="0070C0"/>
-              </a:buClr>
-              <a:buFont typeface="Wingdings" pitchFamily="2" charset="2"/>
-              <a:buChar char="u"/>
-            </a:pPr>
-            <a:r>
-              <a:rPr lang="en-US" sz="1800" b="1" dirty="0">
-                <a:solidFill>
-                  <a:srgbClr val="3C3B37"/>
-                </a:solidFill>
-              </a:rPr>
-              <a:t>Textbook:</a:t>
-            </a:r>
-          </a:p>
-          <a:p>
-            <a:pPr marL="465138" indent="-465138" algn="l">
-              <a:buClr>
-                <a:srgbClr val="0070C0"/>
-              </a:buClr>
-              <a:buFont typeface="Wingdings" pitchFamily="2" charset="2"/>
-              <a:buChar char="u"/>
-            </a:pPr>
-            <a:r>
-              <a:rPr lang="en-US" sz="1800" b="1" i="0" dirty="0">
-                <a:solidFill>
-                  <a:schemeClr val="tx1"/>
-                </a:solidFill>
-                <a:effectLst/>
-                <a:latin typeface="+mj-lt"/>
-              </a:rPr>
-              <a:t>Introduction to Machine Learning with Python: A Guide for Data Scientists, </a:t>
-            </a:r>
-            <a:r>
-              <a:rPr lang="en-US" sz="1800" b="1" u="sng" dirty="0">
-                <a:solidFill>
-                  <a:schemeClr val="tx1"/>
-                </a:solidFill>
-                <a:latin typeface="+mj-lt"/>
-              </a:rPr>
-              <a:t>b</a:t>
-            </a:r>
-            <a:r>
-              <a:rPr lang="en-US" sz="1800" b="1" i="0" u="sng" dirty="0">
-                <a:solidFill>
-                  <a:schemeClr val="tx1"/>
-                </a:solidFill>
-                <a:effectLst/>
-                <a:latin typeface="+mj-lt"/>
-                <a:hlinkClick r:id="rId5">
-                  <a:extLst>
-                    <a:ext uri="{A12FA001-AC4F-418D-AE19-62706E023703}">
-                      <ahyp:hlinkClr xmlns:ahyp="http://schemas.microsoft.com/office/drawing/2018/hyperlinkcolor" val="tx"/>
-                    </a:ext>
-                  </a:extLst>
-                </a:hlinkClick>
-              </a:rPr>
-              <a:t>y Andreas C. </a:t>
-            </a:r>
-            <a:r>
-              <a:rPr lang="en-US" sz="1800" b="1" i="0" u="sng" dirty="0" err="1">
-                <a:solidFill>
-                  <a:schemeClr val="tx1"/>
-                </a:solidFill>
-                <a:effectLst/>
-                <a:latin typeface="+mj-lt"/>
-                <a:hlinkClick r:id="rId5">
-                  <a:extLst>
-                    <a:ext uri="{A12FA001-AC4F-418D-AE19-62706E023703}">
-                      <ahyp:hlinkClr xmlns:ahyp="http://schemas.microsoft.com/office/drawing/2018/hyperlinkcolor" val="tx"/>
-                    </a:ext>
-                  </a:extLst>
-                </a:hlinkClick>
-              </a:rPr>
-              <a:t>Müller</a:t>
-            </a:r>
-            <a:r>
-              <a:rPr lang="en-US" sz="1800" b="1" i="0" u="none" strike="noStrike" dirty="0" err="1">
-                <a:solidFill>
-                  <a:schemeClr val="tx1"/>
-                </a:solidFill>
-                <a:effectLst/>
-                <a:latin typeface="+mj-lt"/>
-                <a:hlinkClick r:id="rId6">
-                  <a:extLst>
-                    <a:ext uri="{A12FA001-AC4F-418D-AE19-62706E023703}">
-                      <ahyp:hlinkClr xmlns:ahyp="http://schemas.microsoft.com/office/drawing/2018/hyperlinkcolor" val="tx"/>
-                    </a:ext>
-                  </a:extLst>
-                </a:hlinkClick>
-              </a:rPr>
-              <a:t>Sarah</a:t>
-            </a:r>
-            <a:r>
-              <a:rPr lang="en-US" sz="1800" b="1" i="0" u="none" strike="noStrike" dirty="0">
-                <a:solidFill>
-                  <a:schemeClr val="tx1"/>
-                </a:solidFill>
-                <a:effectLst/>
-                <a:latin typeface="+mj-lt"/>
-                <a:hlinkClick r:id="rId6">
-                  <a:extLst>
-                    <a:ext uri="{A12FA001-AC4F-418D-AE19-62706E023703}">
-                      <ahyp:hlinkClr xmlns:ahyp="http://schemas.microsoft.com/office/drawing/2018/hyperlinkcolor" val="tx"/>
-                    </a:ext>
-                  </a:extLst>
-                </a:hlinkClick>
-              </a:rPr>
-              <a:t> Guido</a:t>
-            </a:r>
-            <a:r>
-              <a:rPr lang="en-US" sz="1800" b="1" i="0" u="none" strike="noStrike" dirty="0">
-                <a:solidFill>
-                  <a:schemeClr val="tx1"/>
-                </a:solidFill>
-                <a:effectLst/>
-                <a:latin typeface="+mj-lt"/>
-              </a:rPr>
-              <a:t> (</a:t>
-            </a:r>
-            <a:r>
-              <a:rPr lang="en-US" sz="1800" b="1" i="0" dirty="0">
-                <a:solidFill>
-                  <a:schemeClr val="tx1"/>
-                </a:solidFill>
-                <a:effectLst/>
-                <a:latin typeface="+mj-lt"/>
-              </a:rPr>
-              <a:t>Sep 2016, </a:t>
-            </a:r>
-            <a:r>
-              <a:rPr lang="en-US" sz="1800" b="1" dirty="0">
-                <a:solidFill>
-                  <a:schemeClr val="tx1"/>
-                </a:solidFill>
-                <a:latin typeface="+mj-lt"/>
-              </a:rPr>
-              <a:t>Publisher: </a:t>
-            </a:r>
-            <a:r>
-              <a:rPr lang="en-US" sz="1800" b="1" i="0" dirty="0">
-                <a:solidFill>
-                  <a:schemeClr val="tx1"/>
-                </a:solidFill>
-                <a:effectLst/>
-                <a:latin typeface="+mj-lt"/>
-              </a:rPr>
-              <a:t>O'Reilly)</a:t>
-            </a:r>
-          </a:p>
-        </p:txBody>
-      </p:sp>
-      <p:sp>
-        <p:nvSpPr>
-          <p:cNvPr id="4" name="標題 1"/>
-          <p:cNvSpPr txBox="1">
-            <a:spLocks/>
-          </p:cNvSpPr>
-          <p:nvPr/>
-        </p:nvSpPr>
-        <p:spPr>
-          <a:xfrm>
-            <a:off x="-8722" y="759619"/>
-            <a:ext cx="9144000" cy="360040"/>
-          </a:xfrm>
-          <a:prstGeom prst="rect">
-            <a:avLst/>
-          </a:prstGeom>
-          <a:gradFill flip="none" rotWithShape="1">
-            <a:gsLst>
-              <a:gs pos="0">
-                <a:srgbClr val="00B0F0">
-                  <a:shade val="30000"/>
-                  <a:satMod val="115000"/>
-                </a:srgbClr>
-              </a:gs>
-              <a:gs pos="50000">
-                <a:srgbClr val="00B0F0">
-                  <a:shade val="67500"/>
-                  <a:satMod val="115000"/>
-                </a:srgbClr>
-              </a:gs>
-              <a:gs pos="100000">
-                <a:srgbClr val="00B0F0">
-                  <a:shade val="100000"/>
-                  <a:satMod val="115000"/>
-                </a:srgbClr>
-              </a:gs>
-            </a:gsLst>
-            <a:path path="circle">
-              <a:fillToRect t="100000" r="100000"/>
-            </a:path>
-            <a:tileRect l="-100000" b="-100000"/>
-          </a:gradFill>
-        </p:spPr>
-        <p:txBody>
-          <a:bodyPr vert="horz" lIns="91440" tIns="45720" rIns="91440" bIns="45720" rtlCol="0" anchor="ctr">
-            <a:normAutofit fontScale="77500" lnSpcReduction="20000"/>
-          </a:bodyPr>
-          <a:lstStyle/>
-          <a:p>
-            <a:r>
-              <a:rPr lang="en-US" sz="1600" dirty="0"/>
-              <a:t>https://www.udemy.com/course/learning-python-for-data-analysis-and-visualization/learn/lecture/2338236?start=0#overview</a:t>
-            </a:r>
-            <a:endParaRPr lang="en-US" sz="1600" b="1" i="1" dirty="0"/>
-          </a:p>
-        </p:txBody>
-      </p:sp>
-      <p:sp>
-        <p:nvSpPr>
-          <p:cNvPr id="5" name="日期版面配置區 4"/>
-          <p:cNvSpPr>
-            <a:spLocks noGrp="1"/>
-          </p:cNvSpPr>
-          <p:nvPr>
-            <p:ph type="dt" sz="half" idx="10"/>
-          </p:nvPr>
-        </p:nvSpPr>
-        <p:spPr/>
-        <p:txBody>
-          <a:bodyPr/>
-          <a:lstStyle/>
-          <a:p>
-            <a:fld id="{A4F910E6-8D00-4BAF-8C48-9688E0B449D3}" type="datetime1">
-              <a:rPr lang="zh-TW" altLang="en-US" smtClean="0"/>
-              <a:pPr/>
-              <a:t>2021/1/18</a:t>
-            </a:fld>
-            <a:endParaRPr lang="zh-TW" altLang="en-US"/>
-          </a:p>
-        </p:txBody>
-      </p:sp>
-      <p:sp>
-        <p:nvSpPr>
-          <p:cNvPr id="6" name="投影片編號版面配置區 5"/>
-          <p:cNvSpPr>
-            <a:spLocks noGrp="1"/>
-          </p:cNvSpPr>
-          <p:nvPr>
-            <p:ph type="sldNum" sz="quarter" idx="12"/>
-          </p:nvPr>
-        </p:nvSpPr>
-        <p:spPr>
-          <a:xfrm>
-            <a:off x="6553200" y="6356349"/>
-            <a:ext cx="2133600" cy="365125"/>
-          </a:xfrm>
-        </p:spPr>
-        <p:txBody>
-          <a:bodyPr/>
-          <a:lstStyle/>
-          <a:p>
-            <a:fld id="{E4D7E63D-91F2-4366-A2C4-1B00C9E2590E}" type="slidenum">
-              <a:rPr lang="zh-TW" altLang="en-US" smtClean="0"/>
-              <a:pPr/>
-              <a:t>6</a:t>
-            </a:fld>
-            <a:endParaRPr lang="zh-TW" altLang="en-US"/>
-          </a:p>
-        </p:txBody>
-      </p:sp>
-    </p:spTree>
-    <p:extLst>
-      <p:ext uri="{BB962C8B-B14F-4D97-AF65-F5344CB8AC3E}">
-        <p14:creationId xmlns:p14="http://schemas.microsoft.com/office/powerpoint/2010/main" val="2204207622"/>
-      </p:ext>
-    </p:extLst>
-  </p:cSld>
-  <p:clrMapOvr>
-    <a:masterClrMapping/>
-  </p:clrMapOvr>
-</p:sld>
-</file>
-
-<file path=ppt/slides/slide7.xml><?xml version="1.0" encoding="utf-8"?>
 <p:sld xmlns:a="http://schemas.openxmlformats.org/drawingml/2006/main" xmlns:r="http://schemas.openxmlformats.org/officeDocument/2006/relationships" xmlns:p="http://schemas.openxmlformats.org/presentationml/2006/main">
   <p:cSld>
     <p:spTree>
@@ -5683,7 +5457,7 @@
             <a:fld id="{E4D7E63D-91F2-4366-A2C4-1B00C9E2590E}" type="slidenum">
               <a:rPr lang="zh-TW" altLang="en-US" smtClean="0"/>
               <a:pPr/>
-              <a:t>7</a:t>
+              <a:t>6</a:t>
             </a:fld>
             <a:endParaRPr lang="zh-TW" altLang="en-US"/>
           </a:p>

--- a/000_MachineLearning_Syllabus_V05.pptx
+++ b/000_MachineLearning_Syllabus_V05.pptx
@@ -214,7 +214,7 @@
             <a:fld id="{6837EDA8-41C8-4B24-A206-13C08A65A6D7}" type="datetimeFigureOut">
               <a:rPr lang="zh-TW" altLang="en-US" smtClean="0"/>
               <a:pPr/>
-              <a:t>2021/1/18</a:t>
+              <a:t>2021/1/19</a:t>
             </a:fld>
             <a:endParaRPr lang="zh-TW" altLang="en-US"/>
           </a:p>
@@ -752,7 +752,7 @@
             <a:fld id="{8B85509C-BD4F-47BF-9B1E-FC2E949B3621}" type="datetime1">
               <a:rPr lang="zh-TW" altLang="en-US" smtClean="0"/>
               <a:pPr/>
-              <a:t>2021/1/18</a:t>
+              <a:t>2021/1/19</a:t>
             </a:fld>
             <a:endParaRPr lang="zh-TW" altLang="en-US"/>
           </a:p>
@@ -925,7 +925,7 @@
             <a:fld id="{42251B24-F787-4C15-8A0F-7AEC20C70069}" type="datetime1">
               <a:rPr lang="zh-TW" altLang="en-US" smtClean="0"/>
               <a:pPr/>
-              <a:t>2021/1/18</a:t>
+              <a:t>2021/1/19</a:t>
             </a:fld>
             <a:endParaRPr lang="zh-TW" altLang="en-US"/>
           </a:p>
@@ -1100,7 +1100,7 @@
             <a:fld id="{9CA0D33C-CE2B-45F1-B8D4-FFD1F131F331}" type="datetime1">
               <a:rPr lang="zh-TW" altLang="en-US" smtClean="0"/>
               <a:pPr/>
-              <a:t>2021/1/18</a:t>
+              <a:t>2021/1/19</a:t>
             </a:fld>
             <a:endParaRPr lang="zh-TW" altLang="en-US"/>
           </a:p>
@@ -1265,7 +1265,7 @@
             <a:fld id="{50B99440-D9EF-40CC-9B52-F6428D9B2C76}" type="datetime1">
               <a:rPr lang="zh-TW" altLang="en-US" smtClean="0"/>
               <a:pPr/>
-              <a:t>2021/1/18</a:t>
+              <a:t>2021/1/19</a:t>
             </a:fld>
             <a:endParaRPr lang="zh-TW" altLang="en-US"/>
           </a:p>
@@ -1507,7 +1507,7 @@
             <a:fld id="{0871BF52-5C6C-4959-8E27-CECB68D39FE4}" type="datetime1">
               <a:rPr lang="zh-TW" altLang="en-US" smtClean="0"/>
               <a:pPr/>
-              <a:t>2021/1/18</a:t>
+              <a:t>2021/1/19</a:t>
             </a:fld>
             <a:endParaRPr lang="zh-TW" altLang="en-US"/>
           </a:p>
@@ -1789,7 +1789,7 @@
             <a:fld id="{DF863F05-2DD9-4EB1-A827-12FD992DE9DC}" type="datetime1">
               <a:rPr lang="zh-TW" altLang="en-US" smtClean="0"/>
               <a:pPr/>
-              <a:t>2021/1/18</a:t>
+              <a:t>2021/1/19</a:t>
             </a:fld>
             <a:endParaRPr lang="zh-TW" altLang="en-US"/>
           </a:p>
@@ -2205,7 +2205,7 @@
             <a:fld id="{6339AF51-4491-4873-A096-75DB6CE47516}" type="datetime1">
               <a:rPr lang="zh-TW" altLang="en-US" smtClean="0"/>
               <a:pPr/>
-              <a:t>2021/1/18</a:t>
+              <a:t>2021/1/19</a:t>
             </a:fld>
             <a:endParaRPr lang="zh-TW" altLang="en-US"/>
           </a:p>
@@ -2319,7 +2319,7 @@
             <a:fld id="{EE4AD9C8-8B9E-40FF-ABE2-858AC2057BBB}" type="datetime1">
               <a:rPr lang="zh-TW" altLang="en-US" smtClean="0"/>
               <a:pPr/>
-              <a:t>2021/1/18</a:t>
+              <a:t>2021/1/19</a:t>
             </a:fld>
             <a:endParaRPr lang="zh-TW" altLang="en-US"/>
           </a:p>
@@ -2411,7 +2411,7 @@
             <a:fld id="{B4784999-BBBE-4BE4-A8D0-877E7D1D66CC}" type="datetime1">
               <a:rPr lang="zh-TW" altLang="en-US" smtClean="0"/>
               <a:pPr/>
-              <a:t>2021/1/18</a:t>
+              <a:t>2021/1/19</a:t>
             </a:fld>
             <a:endParaRPr lang="zh-TW" altLang="en-US"/>
           </a:p>
@@ -2683,7 +2683,7 @@
             <a:fld id="{E88D17E6-02BD-4944-B9FE-7BFCCBF83D48}" type="datetime1">
               <a:rPr lang="zh-TW" altLang="en-US" smtClean="0"/>
               <a:pPr/>
-              <a:t>2021/1/18</a:t>
+              <a:t>2021/1/19</a:t>
             </a:fld>
             <a:endParaRPr lang="zh-TW" altLang="en-US"/>
           </a:p>
@@ -2932,7 +2932,7 @@
             <a:fld id="{3C13E23D-1FEF-4D78-A3A3-3D6F2BB31954}" type="datetime1">
               <a:rPr lang="zh-TW" altLang="en-US" smtClean="0"/>
               <a:pPr/>
-              <a:t>2021/1/18</a:t>
+              <a:t>2021/1/19</a:t>
             </a:fld>
             <a:endParaRPr lang="zh-TW" altLang="en-US"/>
           </a:p>
@@ -3140,7 +3140,7 @@
             <a:fld id="{06197F35-AD6F-4594-8B50-334492D2E7E8}" type="datetime1">
               <a:rPr lang="zh-TW" altLang="en-US" smtClean="0"/>
               <a:pPr/>
-              <a:t>2021/1/18</a:t>
+              <a:t>2021/1/19</a:t>
             </a:fld>
             <a:endParaRPr lang="zh-TW" altLang="en-US"/>
           </a:p>
@@ -3601,7 +3601,7 @@
             <a:fld id="{C389EDC9-19E3-47AC-9C57-C6A24DEA81AD}" type="datetime1">
               <a:rPr lang="zh-TW" altLang="en-US" smtClean="0"/>
               <a:pPr/>
-              <a:t>2021/1/18</a:t>
+              <a:t>2021/1/19</a:t>
             </a:fld>
             <a:endParaRPr lang="zh-TW" altLang="en-US"/>
           </a:p>
@@ -3781,7 +3781,7 @@
         <p:spPr>
           <a:xfrm>
             <a:off x="457200" y="1298615"/>
-            <a:ext cx="8352928" cy="834241"/>
+            <a:ext cx="8352928" cy="2346409"/>
           </a:xfrm>
           <a:ln>
             <a:solidFill>
@@ -3828,6 +3828,134 @@
               </a:rPr>
               <a:t>Learn python and Machine Learning</a:t>
             </a:r>
+          </a:p>
+          <a:p>
+            <a:pPr marL="465138" indent="-465138" algn="l">
+              <a:buClr>
+                <a:srgbClr val="0070C0"/>
+              </a:buClr>
+              <a:buFont typeface="Wingdings" pitchFamily="2" charset="2"/>
+              <a:buChar char="u"/>
+            </a:pPr>
+            <a:r>
+              <a:rPr lang="en-US" sz="1800" b="1" dirty="0">
+                <a:solidFill>
+                  <a:srgbClr val="3C3B37"/>
+                </a:solidFill>
+              </a:rPr>
+              <a:t>Part 1: Basic</a:t>
+            </a:r>
+          </a:p>
+          <a:p>
+            <a:pPr marL="465138" indent="-465138" algn="l">
+              <a:buClr>
+                <a:srgbClr val="0070C0"/>
+              </a:buClr>
+              <a:buFont typeface="Wingdings" pitchFamily="2" charset="2"/>
+              <a:buChar char="u"/>
+            </a:pPr>
+            <a:r>
+              <a:rPr lang="en-US" sz="1800" b="1" dirty="0">
+                <a:solidFill>
+                  <a:srgbClr val="3C3B37"/>
+                </a:solidFill>
+              </a:rPr>
+              <a:t>Part 2: Clustering and Decision Tree</a:t>
+            </a:r>
+          </a:p>
+          <a:p>
+            <a:pPr marL="465138" indent="-465138" algn="l">
+              <a:buClr>
+                <a:srgbClr val="0070C0"/>
+              </a:buClr>
+              <a:buFont typeface="Wingdings" pitchFamily="2" charset="2"/>
+              <a:buChar char="u"/>
+            </a:pPr>
+            <a:r>
+              <a:rPr lang="en-US" sz="1800" b="1" dirty="0">
+                <a:solidFill>
+                  <a:srgbClr val="3C3B37"/>
+                </a:solidFill>
+              </a:rPr>
+              <a:t>Part 3: Gradient Descent, Gradient Boost, and XGBoost</a:t>
+            </a:r>
+          </a:p>
+          <a:p>
+            <a:pPr marL="465138" indent="-465138" algn="l">
+              <a:buClr>
+                <a:srgbClr val="0070C0"/>
+              </a:buClr>
+              <a:buFont typeface="Wingdings" pitchFamily="2" charset="2"/>
+              <a:buChar char="u"/>
+            </a:pPr>
+            <a:r>
+              <a:rPr lang="en-US" sz="1800" b="1" dirty="0">
+                <a:solidFill>
+                  <a:srgbClr val="3C3B37"/>
+                </a:solidFill>
+              </a:rPr>
+              <a:t>Part 4: Case Study</a:t>
+            </a:r>
+          </a:p>
+          <a:p>
+            <a:pPr marL="465138" indent="-465138" algn="l">
+              <a:buClr>
+                <a:srgbClr val="0070C0"/>
+              </a:buClr>
+              <a:buFont typeface="Wingdings" pitchFamily="2" charset="2"/>
+              <a:buChar char="u"/>
+            </a:pPr>
+            <a:r>
+              <a:rPr lang="en-US" sz="1800" b="1" dirty="0">
+                <a:solidFill>
+                  <a:srgbClr val="3C3B37"/>
+                </a:solidFill>
+              </a:rPr>
+              <a:t>Part 5: pySpark</a:t>
+            </a:r>
+          </a:p>
+          <a:p>
+            <a:pPr marL="465138" indent="-465138" algn="l">
+              <a:buClr>
+                <a:srgbClr val="0070C0"/>
+              </a:buClr>
+              <a:buFont typeface="Wingdings" pitchFamily="2" charset="2"/>
+              <a:buChar char="u"/>
+            </a:pPr>
+            <a:endParaRPr lang="en-US" sz="1800" b="1" dirty="0">
+              <a:solidFill>
+                <a:srgbClr val="3C3B37"/>
+              </a:solidFill>
+            </a:endParaRPr>
+          </a:p>
+          <a:p>
+            <a:pPr marL="465138" indent="-465138" algn="l">
+              <a:buClr>
+                <a:srgbClr val="0070C0"/>
+              </a:buClr>
+              <a:buFont typeface="Wingdings" pitchFamily="2" charset="2"/>
+              <a:buChar char="u"/>
+            </a:pPr>
+            <a:endParaRPr lang="en-US" sz="1800" b="1" dirty="0">
+              <a:solidFill>
+                <a:srgbClr val="3C3B37"/>
+              </a:solidFill>
+            </a:endParaRPr>
+          </a:p>
+          <a:p>
+            <a:pPr marL="465138" indent="-465138" algn="l">
+              <a:buClr>
+                <a:srgbClr val="0070C0"/>
+              </a:buClr>
+              <a:buFont typeface="Wingdings" pitchFamily="2" charset="2"/>
+              <a:buChar char="u"/>
+            </a:pPr>
+            <a:endParaRPr lang="en-US" sz="1800" b="1" i="0" dirty="0">
+              <a:solidFill>
+                <a:srgbClr val="3C3B37"/>
+              </a:solidFill>
+              <a:effectLst/>
+            </a:endParaRPr>
           </a:p>
           <a:p>
             <a:br>
@@ -3917,7 +4045,7 @@
             <a:fld id="{A4F910E6-8D00-4BAF-8C48-9688E0B449D3}" type="datetime1">
               <a:rPr lang="zh-TW" altLang="en-US" smtClean="0"/>
               <a:pPr/>
-              <a:t>2021/1/18</a:t>
+              <a:t>2021/1/19</a:t>
             </a:fld>
             <a:endParaRPr lang="zh-TW" altLang="en-US"/>
           </a:p>
@@ -4060,7 +4188,7 @@
         <p:spPr>
           <a:xfrm>
             <a:off x="508000" y="1268759"/>
-            <a:ext cx="8352928" cy="4608513"/>
+            <a:ext cx="8352928" cy="4829622"/>
           </a:xfrm>
           <a:ln>
             <a:solidFill>
@@ -4139,7 +4267,7 @@
                   <a:srgbClr val="3C3B37"/>
                 </a:solidFill>
               </a:rPr>
-              <a:t>Cross Validation, Confusion Matrix, Sensitivity/Specificity</a:t>
+              <a:t>Cross Validation, Confusion Matrix, Sensitivity/Specificity, Variance/Overfit/Bagging </a:t>
             </a:r>
           </a:p>
           <a:p>
@@ -4156,7 +4284,7 @@
                   <a:srgbClr val="3C3B37"/>
                 </a:solidFill>
               </a:rPr>
-              <a:t>Section 2: Bias/Variance, ROC/AUC, Fit Data, R-Square, F-Score, P-Value, Odd/Log, Log/Odds Ratio.</a:t>
+              <a:t>Section 2: ROC/AUC, Fit Data, R-Square, F-Score, P-Value, Odd/Log, Log/Odds Ratio.</a:t>
             </a:r>
           </a:p>
           <a:p>
@@ -4347,7 +4475,7 @@
             <a:fld id="{A4F910E6-8D00-4BAF-8C48-9688E0B449D3}" type="datetime1">
               <a:rPr lang="zh-TW" altLang="en-US" smtClean="0"/>
               <a:pPr/>
-              <a:t>2021/1/18</a:t>
+              <a:t>2021/1/19</a:t>
             </a:fld>
             <a:endParaRPr lang="zh-TW" altLang="en-US"/>
           </a:p>
@@ -4705,21 +4833,8 @@
                   <a:srgbClr val="3C3B37"/>
                 </a:solidFill>
               </a:rPr>
-              <a:t>Section 14: Setup, Spark Context, RDD</a:t>
-            </a:r>
-            <a:r>
-              <a:rPr lang="en-US" sz="1800" b="1">
-                <a:solidFill>
-                  <a:srgbClr val="3C3B37"/>
-                </a:solidFill>
-              </a:rPr>
-              <a:t>, Data Frame</a:t>
-            </a:r>
-            <a:endParaRPr lang="en-US" sz="1800" b="1" dirty="0">
-              <a:solidFill>
-                <a:srgbClr val="3C3B37"/>
-              </a:solidFill>
-            </a:endParaRPr>
+              <a:t>Section 14: Setup, Spark Context, RDD, Data Frame</a:t>
+            </a:r>
           </a:p>
           <a:p>
             <a:pPr marL="922338" lvl="1" indent="-465138" algn="l">
@@ -4815,7 +4930,7 @@
             <a:fld id="{A4F910E6-8D00-4BAF-8C48-9688E0B449D3}" type="datetime1">
               <a:rPr lang="zh-TW" altLang="en-US" smtClean="0"/>
               <a:pPr/>
-              <a:t>2021/1/18</a:t>
+              <a:t>2021/1/19</a:t>
             </a:fld>
             <a:endParaRPr lang="zh-TW" altLang="en-US"/>
           </a:p>
@@ -4985,7 +5100,7 @@
                   <a:srgbClr val="3C3B37"/>
                 </a:solidFill>
               </a:rPr>
-              <a:t>Reference:</a:t>
+              <a:t>References:</a:t>
             </a:r>
           </a:p>
           <a:p>
@@ -5286,7 +5401,7 @@
             <a:fld id="{A4F910E6-8D00-4BAF-8C48-9688E0B449D3}" type="datetime1">
               <a:rPr lang="zh-TW" altLang="en-US" smtClean="0"/>
               <a:pPr/>
-              <a:t>2021/1/18</a:t>
+              <a:t>2021/1/19</a:t>
             </a:fld>
             <a:endParaRPr lang="zh-TW" altLang="en-US"/>
           </a:p>
@@ -5433,7 +5548,7 @@
             <a:fld id="{4E46BE27-E923-4EC2-B046-3272AE2A3E5C}" type="datetime1">
               <a:rPr lang="zh-TW" altLang="en-US" smtClean="0"/>
               <a:pPr/>
-              <a:t>2021/1/18</a:t>
+              <a:t>2021/1/19</a:t>
             </a:fld>
             <a:endParaRPr lang="zh-TW" altLang="en-US"/>
           </a:p>
